--- a/img/Graficos.pptx
+++ b/img/Graficos.pptx
@@ -9,6 +9,7 @@
     <p:sldId id="257" r:id="rId3"/>
     <p:sldId id="258" r:id="rId4"/>
     <p:sldId id="259" r:id="rId5"/>
+    <p:sldId id="260" r:id="rId6"/>
   </p:sldIdLst>
   <p:sldSz cx="12192000" cy="6858000"/>
   <p:notesSz cx="6858000" cy="9144000"/>
@@ -262,7 +263,7 @@
           <a:p>
             <a:fld id="{F46E01D8-88C0-4990-8CED-B709CF70008F}" type="datetimeFigureOut">
               <a:rPr lang="es-ES" smtClean="0"/>
-              <a:t>05/04/2021</a:t>
+              <a:t>11/04/2021</a:t>
             </a:fld>
             <a:endParaRPr lang="es-ES"/>
           </a:p>
@@ -316,7 +317,7 @@
           <a:p>
             <a:fld id="{1DD77912-BA8B-4CAC-99E5-4410D5248A4E}" type="slidenum">
               <a:rPr lang="es-ES" smtClean="0"/>
-              <a:t>‹Nº›</a:t>
+              <a:t>‹#›</a:t>
             </a:fld>
             <a:endParaRPr lang="es-ES"/>
           </a:p>
@@ -460,7 +461,7 @@
           <a:p>
             <a:fld id="{F46E01D8-88C0-4990-8CED-B709CF70008F}" type="datetimeFigureOut">
               <a:rPr lang="es-ES" smtClean="0"/>
-              <a:t>05/04/2021</a:t>
+              <a:t>11/04/2021</a:t>
             </a:fld>
             <a:endParaRPr lang="es-ES"/>
           </a:p>
@@ -514,7 +515,7 @@
           <a:p>
             <a:fld id="{1DD77912-BA8B-4CAC-99E5-4410D5248A4E}" type="slidenum">
               <a:rPr lang="es-ES" smtClean="0"/>
-              <a:t>‹Nº›</a:t>
+              <a:t>‹#›</a:t>
             </a:fld>
             <a:endParaRPr lang="es-ES"/>
           </a:p>
@@ -668,7 +669,7 @@
           <a:p>
             <a:fld id="{F46E01D8-88C0-4990-8CED-B709CF70008F}" type="datetimeFigureOut">
               <a:rPr lang="es-ES" smtClean="0"/>
-              <a:t>05/04/2021</a:t>
+              <a:t>11/04/2021</a:t>
             </a:fld>
             <a:endParaRPr lang="es-ES"/>
           </a:p>
@@ -722,7 +723,7 @@
           <a:p>
             <a:fld id="{1DD77912-BA8B-4CAC-99E5-4410D5248A4E}" type="slidenum">
               <a:rPr lang="es-ES" smtClean="0"/>
-              <a:t>‹Nº›</a:t>
+              <a:t>‹#›</a:t>
             </a:fld>
             <a:endParaRPr lang="es-ES"/>
           </a:p>
@@ -866,7 +867,7 @@
           <a:p>
             <a:fld id="{F46E01D8-88C0-4990-8CED-B709CF70008F}" type="datetimeFigureOut">
               <a:rPr lang="es-ES" smtClean="0"/>
-              <a:t>05/04/2021</a:t>
+              <a:t>11/04/2021</a:t>
             </a:fld>
             <a:endParaRPr lang="es-ES"/>
           </a:p>
@@ -920,7 +921,7 @@
           <a:p>
             <a:fld id="{1DD77912-BA8B-4CAC-99E5-4410D5248A4E}" type="slidenum">
               <a:rPr lang="es-ES" smtClean="0"/>
-              <a:t>‹Nº›</a:t>
+              <a:t>‹#›</a:t>
             </a:fld>
             <a:endParaRPr lang="es-ES"/>
           </a:p>
@@ -1141,7 +1142,7 @@
           <a:p>
             <a:fld id="{F46E01D8-88C0-4990-8CED-B709CF70008F}" type="datetimeFigureOut">
               <a:rPr lang="es-ES" smtClean="0"/>
-              <a:t>05/04/2021</a:t>
+              <a:t>11/04/2021</a:t>
             </a:fld>
             <a:endParaRPr lang="es-ES"/>
           </a:p>
@@ -1195,7 +1196,7 @@
           <a:p>
             <a:fld id="{1DD77912-BA8B-4CAC-99E5-4410D5248A4E}" type="slidenum">
               <a:rPr lang="es-ES" smtClean="0"/>
-              <a:t>‹Nº›</a:t>
+              <a:t>‹#›</a:t>
             </a:fld>
             <a:endParaRPr lang="es-ES"/>
           </a:p>
@@ -1406,7 +1407,7 @@
           <a:p>
             <a:fld id="{F46E01D8-88C0-4990-8CED-B709CF70008F}" type="datetimeFigureOut">
               <a:rPr lang="es-ES" smtClean="0"/>
-              <a:t>05/04/2021</a:t>
+              <a:t>11/04/2021</a:t>
             </a:fld>
             <a:endParaRPr lang="es-ES"/>
           </a:p>
@@ -1460,7 +1461,7 @@
           <a:p>
             <a:fld id="{1DD77912-BA8B-4CAC-99E5-4410D5248A4E}" type="slidenum">
               <a:rPr lang="es-ES" smtClean="0"/>
-              <a:t>‹Nº›</a:t>
+              <a:t>‹#›</a:t>
             </a:fld>
             <a:endParaRPr lang="es-ES"/>
           </a:p>
@@ -1818,7 +1819,7 @@
           <a:p>
             <a:fld id="{F46E01D8-88C0-4990-8CED-B709CF70008F}" type="datetimeFigureOut">
               <a:rPr lang="es-ES" smtClean="0"/>
-              <a:t>05/04/2021</a:t>
+              <a:t>11/04/2021</a:t>
             </a:fld>
             <a:endParaRPr lang="es-ES"/>
           </a:p>
@@ -1872,7 +1873,7 @@
           <a:p>
             <a:fld id="{1DD77912-BA8B-4CAC-99E5-4410D5248A4E}" type="slidenum">
               <a:rPr lang="es-ES" smtClean="0"/>
-              <a:t>‹Nº›</a:t>
+              <a:t>‹#›</a:t>
             </a:fld>
             <a:endParaRPr lang="es-ES"/>
           </a:p>
@@ -1959,7 +1960,7 @@
           <a:p>
             <a:fld id="{F46E01D8-88C0-4990-8CED-B709CF70008F}" type="datetimeFigureOut">
               <a:rPr lang="es-ES" smtClean="0"/>
-              <a:t>05/04/2021</a:t>
+              <a:t>11/04/2021</a:t>
             </a:fld>
             <a:endParaRPr lang="es-ES"/>
           </a:p>
@@ -2013,7 +2014,7 @@
           <a:p>
             <a:fld id="{1DD77912-BA8B-4CAC-99E5-4410D5248A4E}" type="slidenum">
               <a:rPr lang="es-ES" smtClean="0"/>
-              <a:t>‹Nº›</a:t>
+              <a:t>‹#›</a:t>
             </a:fld>
             <a:endParaRPr lang="es-ES"/>
           </a:p>
@@ -2072,7 +2073,7 @@
           <a:p>
             <a:fld id="{F46E01D8-88C0-4990-8CED-B709CF70008F}" type="datetimeFigureOut">
               <a:rPr lang="es-ES" smtClean="0"/>
-              <a:t>05/04/2021</a:t>
+              <a:t>11/04/2021</a:t>
             </a:fld>
             <a:endParaRPr lang="es-ES"/>
           </a:p>
@@ -2126,7 +2127,7 @@
           <a:p>
             <a:fld id="{1DD77912-BA8B-4CAC-99E5-4410D5248A4E}" type="slidenum">
               <a:rPr lang="es-ES" smtClean="0"/>
-              <a:t>‹Nº›</a:t>
+              <a:t>‹#›</a:t>
             </a:fld>
             <a:endParaRPr lang="es-ES"/>
           </a:p>
@@ -2383,7 +2384,7 @@
           <a:p>
             <a:fld id="{F46E01D8-88C0-4990-8CED-B709CF70008F}" type="datetimeFigureOut">
               <a:rPr lang="es-ES" smtClean="0"/>
-              <a:t>05/04/2021</a:t>
+              <a:t>11/04/2021</a:t>
             </a:fld>
             <a:endParaRPr lang="es-ES"/>
           </a:p>
@@ -2437,7 +2438,7 @@
           <a:p>
             <a:fld id="{1DD77912-BA8B-4CAC-99E5-4410D5248A4E}" type="slidenum">
               <a:rPr lang="es-ES" smtClean="0"/>
-              <a:t>‹Nº›</a:t>
+              <a:t>‹#›</a:t>
             </a:fld>
             <a:endParaRPr lang="es-ES"/>
           </a:p>
@@ -2671,7 +2672,7 @@
           <a:p>
             <a:fld id="{F46E01D8-88C0-4990-8CED-B709CF70008F}" type="datetimeFigureOut">
               <a:rPr lang="es-ES" smtClean="0"/>
-              <a:t>05/04/2021</a:t>
+              <a:t>11/04/2021</a:t>
             </a:fld>
             <a:endParaRPr lang="es-ES"/>
           </a:p>
@@ -2725,7 +2726,7 @@
           <a:p>
             <a:fld id="{1DD77912-BA8B-4CAC-99E5-4410D5248A4E}" type="slidenum">
               <a:rPr lang="es-ES" smtClean="0"/>
-              <a:t>‹Nº›</a:t>
+              <a:t>‹#›</a:t>
             </a:fld>
             <a:endParaRPr lang="es-ES"/>
           </a:p>
@@ -2912,7 +2913,7 @@
           <a:p>
             <a:fld id="{F46E01D8-88C0-4990-8CED-B709CF70008F}" type="datetimeFigureOut">
               <a:rPr lang="es-ES" smtClean="0"/>
-              <a:t>05/04/2021</a:t>
+              <a:t>11/04/2021</a:t>
             </a:fld>
             <a:endParaRPr lang="es-ES"/>
           </a:p>
@@ -3002,7 +3003,7 @@
           <a:p>
             <a:fld id="{1DD77912-BA8B-4CAC-99E5-4410D5248A4E}" type="slidenum">
               <a:rPr lang="es-ES" smtClean="0"/>
-              <a:t>‹Nº›</a:t>
+              <a:t>‹#›</a:t>
             </a:fld>
             <a:endParaRPr lang="es-ES"/>
           </a:p>
@@ -3949,6 +3950,462 @@
 </p:sld>
 </file>
 
+<file path=ppt/slides/slide5.xml><?xml version="1.0" encoding="utf-8"?>
+<p:sld xmlns:a="http://schemas.openxmlformats.org/drawingml/2006/main" xmlns:r="http://schemas.openxmlformats.org/officeDocument/2006/relationships" xmlns:p="http://schemas.openxmlformats.org/presentationml/2006/main">
+  <p:cSld>
+    <p:spTree>
+      <p:nvGrpSpPr>
+        <p:cNvPr id="1" name=""/>
+        <p:cNvGrpSpPr/>
+        <p:nvPr/>
+      </p:nvGrpSpPr>
+      <p:grpSpPr>
+        <a:xfrm>
+          <a:off x="0" y="0"/>
+          <a:ext cx="0" cy="0"/>
+          <a:chOff x="0" y="0"/>
+          <a:chExt cx="0" cy="0"/>
+        </a:xfrm>
+      </p:grpSpPr>
+      <p:sp>
+        <p:nvSpPr>
+          <p:cNvPr id="5" name="Oval 4">
+            <a:extLst>
+              <a:ext uri="{FF2B5EF4-FFF2-40B4-BE49-F238E27FC236}">
+                <a16:creationId xmlns:a16="http://schemas.microsoft.com/office/drawing/2014/main" id="{C9A46125-F6F2-4D99-A9CA-A5F8CFACBEBD}"/>
+              </a:ext>
+            </a:extLst>
+          </p:cNvPr>
+          <p:cNvSpPr/>
+          <p:nvPr/>
+        </p:nvSpPr>
+        <p:spPr>
+          <a:xfrm>
+            <a:off x="3579259" y="2970605"/>
+            <a:ext cx="306000" cy="270000"/>
+          </a:xfrm>
+          <a:prstGeom prst="ellipse">
+            <a:avLst/>
+          </a:prstGeom>
+          <a:solidFill>
+            <a:schemeClr val="accent6"/>
+          </a:solidFill>
+          <a:ln>
+            <a:solidFill>
+              <a:schemeClr val="accent6"/>
+            </a:solidFill>
+          </a:ln>
+          <a:effectLst/>
+          <a:scene3d>
+            <a:camera prst="orthographicFront"/>
+            <a:lightRig rig="threePt" dir="t"/>
+          </a:scene3d>
+          <a:sp3d>
+            <a:bevelT/>
+          </a:sp3d>
+        </p:spPr>
+        <p:style>
+          <a:lnRef idx="2">
+            <a:schemeClr val="accent1">
+              <a:shade val="50000"/>
+            </a:schemeClr>
+          </a:lnRef>
+          <a:fillRef idx="1">
+            <a:schemeClr val="accent1"/>
+          </a:fillRef>
+          <a:effectRef idx="0">
+            <a:schemeClr val="accent1"/>
+          </a:effectRef>
+          <a:fontRef idx="minor">
+            <a:schemeClr val="lt1"/>
+          </a:fontRef>
+        </p:style>
+        <p:txBody>
+          <a:bodyPr rtlCol="0" anchor="ctr"/>
+          <a:lstStyle/>
+          <a:p>
+            <a:pPr algn="ctr"/>
+            <a:endParaRPr lang="es-ES"/>
+          </a:p>
+        </p:txBody>
+      </p:sp>
+      <p:sp>
+        <p:nvSpPr>
+          <p:cNvPr id="6" name="Oval 5">
+            <a:extLst>
+              <a:ext uri="{FF2B5EF4-FFF2-40B4-BE49-F238E27FC236}">
+                <a16:creationId xmlns:a16="http://schemas.microsoft.com/office/drawing/2014/main" id="{32DCB776-8898-4449-BF99-3372F773B9B9}"/>
+              </a:ext>
+            </a:extLst>
+          </p:cNvPr>
+          <p:cNvSpPr/>
+          <p:nvPr/>
+        </p:nvSpPr>
+        <p:spPr>
+          <a:xfrm>
+            <a:off x="3927916" y="2970605"/>
+            <a:ext cx="306000" cy="270000"/>
+          </a:xfrm>
+          <a:prstGeom prst="ellipse">
+            <a:avLst/>
+          </a:prstGeom>
+          <a:solidFill>
+            <a:schemeClr val="accent6"/>
+          </a:solidFill>
+          <a:ln>
+            <a:solidFill>
+              <a:schemeClr val="accent6"/>
+            </a:solidFill>
+          </a:ln>
+          <a:effectLst/>
+          <a:scene3d>
+            <a:camera prst="orthographicFront"/>
+            <a:lightRig rig="threePt" dir="t"/>
+          </a:scene3d>
+          <a:sp3d>
+            <a:bevelT/>
+          </a:sp3d>
+        </p:spPr>
+        <p:style>
+          <a:lnRef idx="2">
+            <a:schemeClr val="accent1">
+              <a:shade val="50000"/>
+            </a:schemeClr>
+          </a:lnRef>
+          <a:fillRef idx="1">
+            <a:schemeClr val="accent1"/>
+          </a:fillRef>
+          <a:effectRef idx="0">
+            <a:schemeClr val="accent1"/>
+          </a:effectRef>
+          <a:fontRef idx="minor">
+            <a:schemeClr val="lt1"/>
+          </a:fontRef>
+        </p:style>
+        <p:txBody>
+          <a:bodyPr rtlCol="0" anchor="ctr"/>
+          <a:lstStyle/>
+          <a:p>
+            <a:pPr algn="ctr"/>
+            <a:endParaRPr lang="es-ES"/>
+          </a:p>
+        </p:txBody>
+      </p:sp>
+      <p:sp>
+        <p:nvSpPr>
+          <p:cNvPr id="7" name="Oval 6">
+            <a:extLst>
+              <a:ext uri="{FF2B5EF4-FFF2-40B4-BE49-F238E27FC236}">
+                <a16:creationId xmlns:a16="http://schemas.microsoft.com/office/drawing/2014/main" id="{1ED080E0-A91B-43B5-A319-5A5F592C508A}"/>
+              </a:ext>
+            </a:extLst>
+          </p:cNvPr>
+          <p:cNvSpPr/>
+          <p:nvPr/>
+        </p:nvSpPr>
+        <p:spPr>
+          <a:xfrm>
+            <a:off x="4285904" y="2970605"/>
+            <a:ext cx="306000" cy="270000"/>
+          </a:xfrm>
+          <a:prstGeom prst="ellipse">
+            <a:avLst/>
+          </a:prstGeom>
+          <a:solidFill>
+            <a:schemeClr val="accent6"/>
+          </a:solidFill>
+          <a:ln>
+            <a:solidFill>
+              <a:schemeClr val="accent6"/>
+            </a:solidFill>
+          </a:ln>
+          <a:effectLst/>
+          <a:scene3d>
+            <a:camera prst="orthographicFront"/>
+            <a:lightRig rig="threePt" dir="t"/>
+          </a:scene3d>
+          <a:sp3d>
+            <a:bevelT/>
+          </a:sp3d>
+        </p:spPr>
+        <p:style>
+          <a:lnRef idx="2">
+            <a:schemeClr val="accent1">
+              <a:shade val="50000"/>
+            </a:schemeClr>
+          </a:lnRef>
+          <a:fillRef idx="1">
+            <a:schemeClr val="accent1"/>
+          </a:fillRef>
+          <a:effectRef idx="0">
+            <a:schemeClr val="accent1"/>
+          </a:effectRef>
+          <a:fontRef idx="minor">
+            <a:schemeClr val="lt1"/>
+          </a:fontRef>
+        </p:style>
+        <p:txBody>
+          <a:bodyPr rtlCol="0" anchor="ctr"/>
+          <a:lstStyle/>
+          <a:p>
+            <a:pPr algn="ctr"/>
+            <a:endParaRPr lang="es-ES"/>
+          </a:p>
+        </p:txBody>
+      </p:sp>
+      <p:sp>
+        <p:nvSpPr>
+          <p:cNvPr id="8" name="Oval 7">
+            <a:extLst>
+              <a:ext uri="{FF2B5EF4-FFF2-40B4-BE49-F238E27FC236}">
+                <a16:creationId xmlns:a16="http://schemas.microsoft.com/office/drawing/2014/main" id="{F1FCE04D-CFBF-4170-84EF-A2C11389C391}"/>
+              </a:ext>
+            </a:extLst>
+          </p:cNvPr>
+          <p:cNvSpPr/>
+          <p:nvPr/>
+        </p:nvSpPr>
+        <p:spPr>
+          <a:xfrm>
+            <a:off x="3579259" y="3617396"/>
+            <a:ext cx="306000" cy="270000"/>
+          </a:xfrm>
+          <a:prstGeom prst="ellipse">
+            <a:avLst/>
+          </a:prstGeom>
+          <a:noFill/>
+          <a:ln>
+            <a:solidFill>
+              <a:schemeClr val="accent2"/>
+            </a:solidFill>
+          </a:ln>
+          <a:effectLst/>
+          <a:scene3d>
+            <a:camera prst="orthographicFront"/>
+            <a:lightRig rig="threePt" dir="t"/>
+          </a:scene3d>
+          <a:sp3d>
+            <a:bevelT/>
+          </a:sp3d>
+        </p:spPr>
+        <p:style>
+          <a:lnRef idx="2">
+            <a:schemeClr val="accent1">
+              <a:shade val="50000"/>
+            </a:schemeClr>
+          </a:lnRef>
+          <a:fillRef idx="1">
+            <a:schemeClr val="accent1"/>
+          </a:fillRef>
+          <a:effectRef idx="0">
+            <a:schemeClr val="accent1"/>
+          </a:effectRef>
+          <a:fontRef idx="minor">
+            <a:schemeClr val="lt1"/>
+          </a:fontRef>
+        </p:style>
+        <p:txBody>
+          <a:bodyPr rtlCol="0" anchor="ctr"/>
+          <a:lstStyle/>
+          <a:p>
+            <a:pPr algn="ctr"/>
+            <a:endParaRPr lang="es-ES"/>
+          </a:p>
+        </p:txBody>
+      </p:sp>
+      <p:sp>
+        <p:nvSpPr>
+          <p:cNvPr id="9" name="Oval 8">
+            <a:extLst>
+              <a:ext uri="{FF2B5EF4-FFF2-40B4-BE49-F238E27FC236}">
+                <a16:creationId xmlns:a16="http://schemas.microsoft.com/office/drawing/2014/main" id="{7E88A331-1194-4F5E-BAC9-21E72AB8B82D}"/>
+              </a:ext>
+            </a:extLst>
+          </p:cNvPr>
+          <p:cNvSpPr/>
+          <p:nvPr/>
+        </p:nvSpPr>
+        <p:spPr>
+          <a:xfrm>
+            <a:off x="3927916" y="3617396"/>
+            <a:ext cx="306000" cy="270000"/>
+          </a:xfrm>
+          <a:prstGeom prst="ellipse">
+            <a:avLst/>
+          </a:prstGeom>
+          <a:noFill/>
+          <a:ln>
+            <a:solidFill>
+              <a:schemeClr val="accent2"/>
+            </a:solidFill>
+          </a:ln>
+          <a:effectLst/>
+          <a:scene3d>
+            <a:camera prst="orthographicFront"/>
+            <a:lightRig rig="threePt" dir="t"/>
+          </a:scene3d>
+          <a:sp3d>
+            <a:bevelT/>
+          </a:sp3d>
+        </p:spPr>
+        <p:style>
+          <a:lnRef idx="2">
+            <a:schemeClr val="accent1">
+              <a:shade val="50000"/>
+            </a:schemeClr>
+          </a:lnRef>
+          <a:fillRef idx="1">
+            <a:schemeClr val="accent1"/>
+          </a:fillRef>
+          <a:effectRef idx="0">
+            <a:schemeClr val="accent1"/>
+          </a:effectRef>
+          <a:fontRef idx="minor">
+            <a:schemeClr val="lt1"/>
+          </a:fontRef>
+        </p:style>
+        <p:txBody>
+          <a:bodyPr rtlCol="0" anchor="ctr"/>
+          <a:lstStyle/>
+          <a:p>
+            <a:pPr algn="ctr"/>
+            <a:endParaRPr lang="es-ES"/>
+          </a:p>
+        </p:txBody>
+      </p:sp>
+      <p:sp>
+        <p:nvSpPr>
+          <p:cNvPr id="10" name="Oval 9">
+            <a:extLst>
+              <a:ext uri="{FF2B5EF4-FFF2-40B4-BE49-F238E27FC236}">
+                <a16:creationId xmlns:a16="http://schemas.microsoft.com/office/drawing/2014/main" id="{6E3E5EDC-3C5A-40E4-B88D-09C457EC682E}"/>
+              </a:ext>
+            </a:extLst>
+          </p:cNvPr>
+          <p:cNvSpPr/>
+          <p:nvPr/>
+        </p:nvSpPr>
+        <p:spPr>
+          <a:xfrm>
+            <a:off x="3597435" y="4424138"/>
+            <a:ext cx="306000" cy="270000"/>
+          </a:xfrm>
+          <a:prstGeom prst="ellipse">
+            <a:avLst/>
+          </a:prstGeom>
+          <a:noFill/>
+          <a:ln>
+            <a:solidFill>
+              <a:srgbClr val="FF0000"/>
+            </a:solidFill>
+          </a:ln>
+          <a:effectLst/>
+          <a:scene3d>
+            <a:camera prst="orthographicFront"/>
+            <a:lightRig rig="threePt" dir="t"/>
+          </a:scene3d>
+          <a:sp3d>
+            <a:bevelT/>
+          </a:sp3d>
+        </p:spPr>
+        <p:style>
+          <a:lnRef idx="2">
+            <a:schemeClr val="accent1">
+              <a:shade val="50000"/>
+            </a:schemeClr>
+          </a:lnRef>
+          <a:fillRef idx="1">
+            <a:schemeClr val="accent1"/>
+          </a:fillRef>
+          <a:effectRef idx="0">
+            <a:schemeClr val="accent1"/>
+          </a:effectRef>
+          <a:fontRef idx="minor">
+            <a:schemeClr val="lt1"/>
+          </a:fontRef>
+        </p:style>
+        <p:txBody>
+          <a:bodyPr rtlCol="0" anchor="ctr"/>
+          <a:lstStyle/>
+          <a:p>
+            <a:pPr algn="ctr"/>
+            <a:endParaRPr lang="es-ES"/>
+          </a:p>
+        </p:txBody>
+      </p:sp>
+      <p:sp>
+        <p:nvSpPr>
+          <p:cNvPr id="11" name="Oval 10">
+            <a:extLst>
+              <a:ext uri="{FF2B5EF4-FFF2-40B4-BE49-F238E27FC236}">
+                <a16:creationId xmlns:a16="http://schemas.microsoft.com/office/drawing/2014/main" id="{880AEE09-F838-4E11-A308-C3C47D870970}"/>
+              </a:ext>
+            </a:extLst>
+          </p:cNvPr>
+          <p:cNvSpPr/>
+          <p:nvPr/>
+        </p:nvSpPr>
+        <p:spPr>
+          <a:xfrm>
+            <a:off x="3946092" y="4424138"/>
+            <a:ext cx="306000" cy="270000"/>
+          </a:xfrm>
+          <a:prstGeom prst="ellipse">
+            <a:avLst/>
+          </a:prstGeom>
+          <a:noFill/>
+          <a:ln>
+            <a:solidFill>
+              <a:srgbClr val="FF0000"/>
+            </a:solidFill>
+          </a:ln>
+          <a:effectLst/>
+          <a:scene3d>
+            <a:camera prst="orthographicFront"/>
+            <a:lightRig rig="threePt" dir="t"/>
+          </a:scene3d>
+          <a:sp3d>
+            <a:bevelT/>
+          </a:sp3d>
+        </p:spPr>
+        <p:style>
+          <a:lnRef idx="2">
+            <a:schemeClr val="accent1">
+              <a:shade val="50000"/>
+            </a:schemeClr>
+          </a:lnRef>
+          <a:fillRef idx="1">
+            <a:schemeClr val="accent1"/>
+          </a:fillRef>
+          <a:effectRef idx="0">
+            <a:schemeClr val="accent1"/>
+          </a:effectRef>
+          <a:fontRef idx="minor">
+            <a:schemeClr val="lt1"/>
+          </a:fontRef>
+        </p:style>
+        <p:txBody>
+          <a:bodyPr rtlCol="0" anchor="ctr"/>
+          <a:lstStyle/>
+          <a:p>
+            <a:pPr algn="ctr"/>
+            <a:endParaRPr lang="es-ES"/>
+          </a:p>
+        </p:txBody>
+      </p:sp>
+    </p:spTree>
+    <p:extLst>
+      <p:ext uri="{BB962C8B-B14F-4D97-AF65-F5344CB8AC3E}">
+        <p14:creationId xmlns:p14="http://schemas.microsoft.com/office/powerpoint/2010/main" val="1096888210"/>
+      </p:ext>
+    </p:extLst>
+  </p:cSld>
+  <p:clrMapOvr>
+    <a:masterClrMapping/>
+  </p:clrMapOvr>
+</p:sld>
+</file>
+
 <file path=ppt/theme/theme1.xml><?xml version="1.0" encoding="utf-8"?>
 <a:theme xmlns:a="http://schemas.openxmlformats.org/drawingml/2006/main" name="Tema de Office">
   <a:themeElements>
